--- a/docs/The Spark Foundation.pptx
+++ b/docs/The Spark Foundation.pptx
@@ -357,7 +357,7 @@
           <a:p>
             <a:fld id="{9184DA70-C731-4C70-880D-CCD4705E623C}" type="datetime1">
               <a:rPr lang="en-US" smtClean="0"/>
-              <a:t>3/17/2021</a:t>
+              <a:t>3/20/2021</a:t>
             </a:fld>
             <a:endParaRPr lang="en-US" dirty="0"/>
           </a:p>
@@ -545,7 +545,7 @@
           <a:p>
             <a:fld id="{B612A279-0833-481D-8C56-F67FD0AC6C50}" type="datetime1">
               <a:rPr lang="en-US" smtClean="0"/>
-              <a:t>3/17/2021</a:t>
+              <a:t>3/20/2021</a:t>
             </a:fld>
             <a:endParaRPr lang="en-US" dirty="0"/>
           </a:p>
@@ -787,7 +787,7 @@
           <a:p>
             <a:fld id="{6587DA83-5663-4C9C-B9AA-0B40A3DAFF81}" type="datetime1">
               <a:rPr lang="en-US" smtClean="0"/>
-              <a:t>3/17/2021</a:t>
+              <a:t>3/20/2021</a:t>
             </a:fld>
             <a:endParaRPr lang="en-US" dirty="0"/>
           </a:p>
@@ -975,7 +975,7 @@
           <a:p>
             <a:fld id="{4BE1D723-8F53-4F53-90B0-1982A396982E}" type="datetime1">
               <a:rPr lang="en-US" smtClean="0"/>
-              <a:t>3/17/2021</a:t>
+              <a:t>3/20/2021</a:t>
             </a:fld>
             <a:endParaRPr lang="en-US" dirty="0"/>
           </a:p>
@@ -1348,7 +1348,7 @@
           <a:p>
             <a:fld id="{97669AF7-7BEB-44E4-9852-375E34362B5B}" type="datetime1">
               <a:rPr lang="en-US" smtClean="0"/>
-              <a:t>3/17/2021</a:t>
+              <a:t>3/20/2021</a:t>
             </a:fld>
             <a:endParaRPr lang="en-US" dirty="0"/>
           </a:p>
@@ -1603,7 +1603,7 @@
           <a:p>
             <a:fld id="{BAAAC38D-0552-4C82-B593-E6124DFADBE2}" type="datetime1">
               <a:rPr lang="en-US" smtClean="0"/>
-              <a:t>3/17/2021</a:t>
+              <a:t>3/20/2021</a:t>
             </a:fld>
             <a:endParaRPr lang="en-US" dirty="0"/>
           </a:p>
@@ -2000,7 +2000,7 @@
           <a:p>
             <a:fld id="{D9DF0F1C-5577-4ACB-BB62-DF8F3C494C7E}" type="datetime1">
               <a:rPr lang="en-US" smtClean="0"/>
-              <a:t>3/17/2021</a:t>
+              <a:t>3/20/2021</a:t>
             </a:fld>
             <a:endParaRPr lang="en-US" dirty="0"/>
           </a:p>
@@ -2136,7 +2136,7 @@
           <a:p>
             <a:fld id="{1775B394-D9F9-4F0C-B15D-605F45CB9E9F}" type="datetime1">
               <a:rPr lang="en-US" smtClean="0"/>
-              <a:t>3/17/2021</a:t>
+              <a:t>3/20/2021</a:t>
             </a:fld>
             <a:endParaRPr lang="en-US" dirty="0"/>
           </a:p>
@@ -2293,7 +2293,7 @@
           <a:p>
             <a:fld id="{39667345-2558-425A-8533-9BFDBCE15005}" type="datetime1">
               <a:rPr lang="en-US" smtClean="0"/>
-              <a:t>3/17/2021</a:t>
+              <a:t>3/20/2021</a:t>
             </a:fld>
             <a:endParaRPr lang="en-US" dirty="0"/>
           </a:p>
@@ -2622,7 +2622,7 @@
           <a:p>
             <a:fld id="{92BEA474-078D-4E9B-9B14-09A87B19DC46}" type="datetime1">
               <a:rPr lang="en-US" smtClean="0"/>
-              <a:t>3/17/2021</a:t>
+              <a:t>3/20/2021</a:t>
             </a:fld>
             <a:endParaRPr lang="en-US" dirty="0"/>
           </a:p>
@@ -2972,7 +2972,7 @@
           <a:p>
             <a:fld id="{4907D986-8816-4272-A432-0437A28A9828}" type="datetime1">
               <a:rPr lang="en-US" smtClean="0"/>
-              <a:t>3/17/2021</a:t>
+              <a:t>3/20/2021</a:t>
             </a:fld>
             <a:endParaRPr lang="en-US" dirty="0"/>
           </a:p>
@@ -3233,7 +3233,7 @@
           <a:p>
             <a:fld id="{62D6E202-B606-4609-B914-27C9371A1F6D}" type="datetime1">
               <a:rPr lang="en-US" smtClean="0"/>
-              <a:t>3/17/2021</a:t>
+              <a:t>3/20/2021</a:t>
             </a:fld>
             <a:endParaRPr lang="en-US" dirty="0"/>
           </a:p>
@@ -4131,10 +4131,10 @@
       </p:sp>
       <p:pic>
         <p:nvPicPr>
-          <p:cNvPr id="11" name="Picture 10">
+          <p:cNvPr id="7" name="Picture 6">
             <a:extLst>
               <a:ext uri="{FF2B5EF4-FFF2-40B4-BE49-F238E27FC236}">
-                <a16:creationId xmlns:a16="http://schemas.microsoft.com/office/drawing/2014/main" id="{F5AB93EC-75C4-44DA-A83F-E653608C0C4B}"/>
+                <a16:creationId xmlns:a16="http://schemas.microsoft.com/office/drawing/2014/main" id="{3C919351-D4B1-4F87-8AAE-9E2C8AA905FC}"/>
               </a:ext>
             </a:extLst>
           </p:cNvPr>
@@ -4151,8 +4151,8 @@
         </p:blipFill>
         <p:spPr>
           <a:xfrm>
-            <a:off x="0" y="2904"/>
-            <a:ext cx="12192000" cy="6852191"/>
+            <a:off x="0" y="35988"/>
+            <a:ext cx="12192000" cy="6786023"/>
           </a:xfrm>
           <a:prstGeom prst="rect">
             <a:avLst/>
